--- a/DBImplementation/PJ12-OCC/cc_occ.pptx
+++ b/DBImplementation/PJ12-OCC/cc_occ.pptx
@@ -163,9 +163,7 @@
 
 <file path=ppt/commentAuthors.xml><?xml version="1.0" encoding="utf-8"?>
 <p:cmAuthorLst xmlns:a="http://schemas.openxmlformats.org/drawingml/2006/main" xmlns:r="http://schemas.openxmlformats.org/officeDocument/2006/relationships" xmlns:p="http://schemas.openxmlformats.org/presentationml/2006/main">
-  <p:cmAuthor id="1" name="张子豪" initials="张子豪" lastIdx="2" clrIdx="0">
-    <p:extLst/>
-  </p:cmAuthor>
+  <p:cmAuthor id="1" name="张子豪" initials="张子豪" lastIdx="2" clrIdx="0"/>
   <p:cmAuthor id="2" name="Knut Peter" initials="KP [2]" lastIdx="1" clrIdx="1"/>
   <p:cmAuthor id="3" name="Knut Peter" initials="KP" lastIdx="1" clrIdx="2"/>
 </p:cmAuthorLst>
@@ -253,7 +251,7 @@
           <a:p>
             <a:fld id="{B929D121-D10D-4F0C-8B5C-A4A810C856C2}" type="datetime1">
               <a:rPr lang="en-US" altLang="zh-CN" smtClean="0"/>
-              <a:t>5/29/2019</a:t>
+              <a:t>6/5/19</a:t>
             </a:fld>
             <a:endParaRPr lang="zh-CN" altLang="en-US"/>
           </a:p>
@@ -419,7 +417,7 @@
           <a:p>
             <a:fld id="{C59B136B-7901-40C3-A276-4634FE9C07C7}" type="datetime1">
               <a:rPr lang="en-US" altLang="zh-CN" smtClean="0"/>
-              <a:t>5/29/2019</a:t>
+              <a:t>6/5/19</a:t>
             </a:fld>
             <a:endParaRPr lang="en-US"/>
           </a:p>
@@ -776,7 +774,7 @@
           <a:p>
             <a:fld id="{689C195E-3386-4906-99A8-3313AC750D56}" type="datetime1">
               <a:rPr lang="en-US" altLang="zh-CN" smtClean="0"/>
-              <a:t>5/29/2019</a:t>
+              <a:t>6/5/19</a:t>
             </a:fld>
             <a:endParaRPr lang="en-US"/>
           </a:p>
@@ -1085,7 +1083,7 @@
             <a:pPr algn="ctr" eaLnBrk="1" latinLnBrk="0" hangingPunct="1"/>
             <a:fld id="{FA17DD03-7FE4-4644-8B08-AEAAD3C985E9}" type="datetime1">
               <a:rPr lang="en-US" altLang="zh-CN" smtClean="0"/>
-              <a:t>5/29/2019</a:t>
+              <a:t>6/5/19</a:t>
             </a:fld>
             <a:endParaRPr lang="en-US" sz="2000" dirty="0">
               <a:solidFill>
@@ -1290,7 +1288,7 @@
             <a:pPr eaLnBrk="1" latinLnBrk="0" hangingPunct="1"/>
             <a:fld id="{7717BE20-7690-4122-B239-932AAC939A97}" type="datetime1">
               <a:rPr lang="en-US" altLang="zh-CN" smtClean="0"/>
-              <a:t>5/29/2019</a:t>
+              <a:t>6/5/19</a:t>
             </a:fld>
             <a:endParaRPr lang="en-US"/>
           </a:p>
@@ -1523,7 +1521,7 @@
             <a:pPr eaLnBrk="1" latinLnBrk="0" hangingPunct="1"/>
             <a:fld id="{08E52159-3E69-455F-9569-E16EDD4D98E0}" type="datetime1">
               <a:rPr lang="en-US" altLang="zh-CN" smtClean="0"/>
-              <a:t>5/29/2019</a:t>
+              <a:t>6/5/19</a:t>
             </a:fld>
             <a:endParaRPr lang="en-US" dirty="0"/>
           </a:p>
@@ -1873,7 +1871,7 @@
             <a:pPr algn="ctr" eaLnBrk="1" latinLnBrk="0" hangingPunct="1"/>
             <a:fld id="{FA17DD03-7FE4-4644-8B08-AEAAD3C985E9}" type="datetime1">
               <a:rPr lang="en-US" altLang="zh-CN" smtClean="0"/>
-              <a:t>5/29/2019</a:t>
+              <a:t>6/5/19</a:t>
             </a:fld>
             <a:endParaRPr lang="en-US" sz="2000" dirty="0">
               <a:solidFill>
@@ -2090,7 +2088,7 @@
           <a:p>
             <a:fld id="{F22F2A01-8003-452D-B96D-DFEB5C1AEE93}" type="datetimeFigureOut">
               <a:rPr lang="zh-CN" altLang="en-US" smtClean="0"/>
-              <a:t>2019/5/29</a:t>
+              <a:t>2019/6/5</a:t>
             </a:fld>
             <a:endParaRPr lang="zh-CN" altLang="en-US"/>
           </a:p>
@@ -2288,7 +2286,7 @@
           <a:p>
             <a:fld id="{F22F2A01-8003-452D-B96D-DFEB5C1AEE93}" type="datetimeFigureOut">
               <a:rPr lang="zh-CN" altLang="en-US" smtClean="0"/>
-              <a:t>2019/5/29</a:t>
+              <a:t>2019/6/5</a:t>
             </a:fld>
             <a:endParaRPr lang="zh-CN" altLang="en-US"/>
           </a:p>
@@ -2563,7 +2561,7 @@
           <a:p>
             <a:fld id="{F22F2A01-8003-452D-B96D-DFEB5C1AEE93}" type="datetimeFigureOut">
               <a:rPr lang="zh-CN" altLang="en-US" smtClean="0"/>
-              <a:t>2019/5/29</a:t>
+              <a:t>2019/6/5</a:t>
             </a:fld>
             <a:endParaRPr lang="zh-CN" altLang="en-US"/>
           </a:p>
@@ -2828,7 +2826,7 @@
           <a:p>
             <a:fld id="{F22F2A01-8003-452D-B96D-DFEB5C1AEE93}" type="datetimeFigureOut">
               <a:rPr lang="zh-CN" altLang="en-US" smtClean="0"/>
-              <a:t>2019/5/29</a:t>
+              <a:t>2019/6/5</a:t>
             </a:fld>
             <a:endParaRPr lang="zh-CN" altLang="en-US"/>
           </a:p>
@@ -3240,7 +3238,7 @@
           <a:p>
             <a:fld id="{F22F2A01-8003-452D-B96D-DFEB5C1AEE93}" type="datetimeFigureOut">
               <a:rPr lang="zh-CN" altLang="en-US" smtClean="0"/>
-              <a:t>2019/5/29</a:t>
+              <a:t>2019/6/5</a:t>
             </a:fld>
             <a:endParaRPr lang="zh-CN" altLang="en-US"/>
           </a:p>
@@ -3381,7 +3379,7 @@
           <a:p>
             <a:fld id="{F22F2A01-8003-452D-B96D-DFEB5C1AEE93}" type="datetimeFigureOut">
               <a:rPr lang="zh-CN" altLang="en-US" smtClean="0"/>
-              <a:t>2019/5/29</a:t>
+              <a:t>2019/6/5</a:t>
             </a:fld>
             <a:endParaRPr lang="zh-CN" altLang="en-US"/>
           </a:p>
@@ -3494,7 +3492,7 @@
           <a:p>
             <a:fld id="{F22F2A01-8003-452D-B96D-DFEB5C1AEE93}" type="datetimeFigureOut">
               <a:rPr lang="zh-CN" altLang="en-US" smtClean="0"/>
-              <a:t>2019/5/29</a:t>
+              <a:t>2019/6/5</a:t>
             </a:fld>
             <a:endParaRPr lang="zh-CN" altLang="en-US"/>
           </a:p>
@@ -3629,7 +3627,7 @@
             <a:pPr eaLnBrk="1" latinLnBrk="0" hangingPunct="1"/>
             <a:fld id="{5B07C305-A121-4768-B6E8-C8CCF036FD24}" type="datetime1">
               <a:rPr lang="en-US" altLang="zh-CN" smtClean="0"/>
-              <a:t>5/29/2019</a:t>
+              <a:t>6/5/19</a:t>
             </a:fld>
             <a:endParaRPr lang="en-US" dirty="0"/>
           </a:p>
@@ -4023,7 +4021,7 @@
           <a:p>
             <a:fld id="{F22F2A01-8003-452D-B96D-DFEB5C1AEE93}" type="datetimeFigureOut">
               <a:rPr lang="zh-CN" altLang="en-US" smtClean="0"/>
-              <a:t>2019/5/29</a:t>
+              <a:t>2019/6/5</a:t>
             </a:fld>
             <a:endParaRPr lang="zh-CN" altLang="en-US"/>
           </a:p>
@@ -4311,7 +4309,7 @@
           <a:p>
             <a:fld id="{F22F2A01-8003-452D-B96D-DFEB5C1AEE93}" type="datetimeFigureOut">
               <a:rPr lang="zh-CN" altLang="en-US" smtClean="0"/>
-              <a:t>2019/5/29</a:t>
+              <a:t>2019/6/5</a:t>
             </a:fld>
             <a:endParaRPr lang="zh-CN" altLang="en-US"/>
           </a:p>
@@ -4509,7 +4507,7 @@
           <a:p>
             <a:fld id="{F22F2A01-8003-452D-B96D-DFEB5C1AEE93}" type="datetimeFigureOut">
               <a:rPr lang="zh-CN" altLang="en-US" smtClean="0"/>
-              <a:t>2019/5/29</a:t>
+              <a:t>2019/6/5</a:t>
             </a:fld>
             <a:endParaRPr lang="zh-CN" altLang="en-US"/>
           </a:p>
@@ -4717,7 +4715,7 @@
           <a:p>
             <a:fld id="{F22F2A01-8003-452D-B96D-DFEB5C1AEE93}" type="datetimeFigureOut">
               <a:rPr lang="zh-CN" altLang="en-US" smtClean="0"/>
-              <a:t>2019/5/29</a:t>
+              <a:t>2019/6/5</a:t>
             </a:fld>
             <a:endParaRPr lang="zh-CN" altLang="en-US"/>
           </a:p>
@@ -5085,7 +5083,7 @@
             <a:pPr eaLnBrk="1" latinLnBrk="0" hangingPunct="1"/>
             <a:fld id="{DC943EC1-10AF-4AAF-A58D-C916DCE522BF}" type="datetime1">
               <a:rPr lang="en-US" altLang="zh-CN" smtClean="0"/>
-              <a:t>5/29/2019</a:t>
+              <a:t>6/5/19</a:t>
             </a:fld>
             <a:endParaRPr lang="en-US"/>
           </a:p>
@@ -5375,7 +5373,7 @@
             <a:pPr eaLnBrk="1" latinLnBrk="0" hangingPunct="1"/>
             <a:fld id="{481D54D7-4123-4EEC-A1DF-89CF9E8C1629}" type="datetime1">
               <a:rPr lang="en-US" altLang="zh-CN" smtClean="0"/>
-              <a:t>5/29/2019</a:t>
+              <a:t>6/5/19</a:t>
             </a:fld>
             <a:endParaRPr lang="en-US"/>
           </a:p>
@@ -5660,7 +5658,7 @@
             <a:pPr eaLnBrk="1" latinLnBrk="0" hangingPunct="1"/>
             <a:fld id="{9BC3EA33-8B93-4A23-A928-67EE36EFD101}" type="datetime1">
               <a:rPr lang="en-US" altLang="zh-CN" smtClean="0"/>
-              <a:t>5/29/2019</a:t>
+              <a:t>6/5/19</a:t>
             </a:fld>
             <a:endParaRPr lang="en-US"/>
           </a:p>
@@ -5904,7 +5902,7 @@
             <a:pPr eaLnBrk="1" latinLnBrk="0" hangingPunct="1"/>
             <a:fld id="{21B24EDB-0CD7-46CA-A675-3F8C58ED0ADE}" type="datetime1">
               <a:rPr lang="en-US" altLang="zh-CN" smtClean="0"/>
-              <a:t>5/29/2019</a:t>
+              <a:t>6/5/19</a:t>
             </a:fld>
             <a:endParaRPr lang="en-US"/>
           </a:p>
@@ -6055,7 +6053,7 @@
             <a:pPr eaLnBrk="1" latinLnBrk="0" hangingPunct="1"/>
             <a:fld id="{6CA006F7-1EEA-48AD-AB83-E44117476C2D}" type="datetime1">
               <a:rPr lang="en-US" altLang="zh-CN" smtClean="0"/>
-              <a:t>5/29/2019</a:t>
+              <a:t>6/5/19</a:t>
             </a:fld>
             <a:endParaRPr lang="en-US"/>
           </a:p>
@@ -6196,7 +6194,7 @@
             <a:pPr eaLnBrk="1" latinLnBrk="0" hangingPunct="1"/>
             <a:fld id="{366796DF-2388-4074-8250-081B2B743ADD}" type="datetime1">
               <a:rPr lang="en-US" altLang="zh-CN" smtClean="0"/>
-              <a:t>5/29/2019</a:t>
+              <a:t>6/5/19</a:t>
             </a:fld>
             <a:endParaRPr lang="en-US"/>
           </a:p>
@@ -6766,7 +6764,7 @@
             <a:pPr eaLnBrk="1" latinLnBrk="0" hangingPunct="1"/>
             <a:fld id="{A4DF81AF-7B9A-4912-9556-C0A794F46D55}" type="datetime1">
               <a:rPr lang="en-US" altLang="zh-CN" smtClean="0"/>
-              <a:t>5/29/2019</a:t>
+              <a:t>6/5/19</a:t>
             </a:fld>
             <a:endParaRPr lang="en-US"/>
           </a:p>
@@ -7075,7 +7073,7 @@
             <a:pPr eaLnBrk="1" latinLnBrk="0" hangingPunct="1"/>
             <a:fld id="{F28F4B70-43CB-4A8B-ACFC-89C41893FEC2}" type="datetime1">
               <a:rPr lang="en-US" altLang="zh-CN" smtClean="0"/>
-              <a:t>5/29/2019</a:t>
+              <a:t>6/5/19</a:t>
             </a:fld>
             <a:endParaRPr lang="en-US" sz="1400" dirty="0">
               <a:solidFill>
@@ -7782,7 +7780,7 @@
           <a:p>
             <a:fld id="{F22F2A01-8003-452D-B96D-DFEB5C1AEE93}" type="datetimeFigureOut">
               <a:rPr lang="zh-CN" altLang="en-US" smtClean="0"/>
-              <a:t>2019/5/29</a:t>
+              <a:t>2019/6/5</a:t>
             </a:fld>
             <a:endParaRPr lang="zh-CN" altLang="en-US"/>
           </a:p>
@@ -8222,59 +8220,27 @@
           <a:lstStyle/>
           <a:p>
             <a:pPr algn="ctr"/>
-            <a:r>
-              <a:rPr lang="en-US" altLang="zh-CN" sz="1800" dirty="0"/>
-              <a:t/>
-            </a:r>
             <a:br>
               <a:rPr lang="en-US" altLang="zh-CN" sz="1800" dirty="0"/>
             </a:br>
-            <a:r>
-              <a:rPr lang="en-US" altLang="zh-CN" sz="1800" dirty="0"/>
-              <a:t/>
-            </a:r>
             <a:br>
               <a:rPr lang="en-US" altLang="zh-CN" sz="1800" dirty="0"/>
             </a:br>
-            <a:r>
-              <a:rPr lang="en-US" altLang="zh-CN" sz="1800" dirty="0"/>
-              <a:t/>
-            </a:r>
             <a:br>
               <a:rPr lang="en-US" altLang="zh-CN" sz="1800" dirty="0"/>
             </a:br>
-            <a:r>
-              <a:rPr lang="en-US" altLang="zh-CN" sz="1800" dirty="0"/>
-              <a:t/>
-            </a:r>
             <a:br>
               <a:rPr lang="en-US" altLang="zh-CN" sz="1800" dirty="0"/>
             </a:br>
-            <a:r>
-              <a:rPr lang="en-US" altLang="zh-CN" sz="3200" dirty="0"/>
-              <a:t/>
-            </a:r>
             <a:br>
               <a:rPr lang="en-US" altLang="zh-CN" sz="3200" dirty="0"/>
             </a:br>
-            <a:r>
-              <a:rPr lang="en-US" altLang="zh-CN" sz="3200" dirty="0"/>
-              <a:t/>
-            </a:r>
             <a:br>
               <a:rPr lang="en-US" altLang="zh-CN" sz="3200" dirty="0"/>
             </a:br>
             <a:r>
-              <a:rPr lang="zh-CN" altLang="en-US" dirty="0" smtClean="0"/>
-              <a:t>乐观并发</a:t>
-            </a:r>
-            <a:r>
               <a:rPr lang="zh-CN" altLang="en-US" dirty="0"/>
-              <a:t>控制实现</a:t>
-            </a:r>
-            <a:r>
-              <a:rPr lang="en-US" altLang="zh-CN" b="1" dirty="0"/>
-              <a:t/>
+              <a:t>乐观并发控制实现</a:t>
             </a:r>
             <a:br>
               <a:rPr lang="en-US" altLang="zh-CN" b="1" dirty="0"/>
@@ -8283,17 +8249,9 @@
               <a:rPr lang="en-US" altLang="zh-CN" b="1" dirty="0"/>
               <a:t>			</a:t>
             </a:r>
-            <a:r>
-              <a:rPr lang="en-US" altLang="zh-CN" sz="3200" dirty="0"/>
-              <a:t/>
-            </a:r>
             <a:br>
               <a:rPr lang="en-US" altLang="zh-CN" sz="3200" dirty="0"/>
             </a:br>
-            <a:r>
-              <a:rPr lang="en-US" altLang="zh-CN" sz="2400" dirty="0"/>
-              <a:t/>
-            </a:r>
             <a:br>
               <a:rPr lang="en-US" altLang="zh-CN" sz="2400" dirty="0"/>
             </a:br>
@@ -8301,10 +8259,6 @@
               <a:rPr lang="zh-CN" altLang="en-US" sz="2400" dirty="0"/>
               <a:t>任课老师：胡卉芪</a:t>
             </a:r>
-            <a:r>
-              <a:rPr lang="en-US" altLang="zh-CN" sz="2400" dirty="0"/>
-              <a:t/>
-            </a:r>
             <a:br>
               <a:rPr lang="en-US" altLang="zh-CN" sz="2400" dirty="0"/>
             </a:br>
@@ -8312,30 +8266,12 @@
               <a:rPr lang="zh-CN" altLang="en-US" sz="2400" dirty="0"/>
               <a:t>助教：张子豪</a:t>
             </a:r>
-            <a:r>
-              <a:rPr lang="en-US" altLang="zh-CN" sz="2400" dirty="0"/>
-              <a:t/>
-            </a:r>
             <a:br>
               <a:rPr lang="en-US" altLang="zh-CN" sz="2400" dirty="0"/>
             </a:br>
-            <a:r>
-              <a:rPr lang="en-US" altLang="zh-CN" sz="3200" dirty="0"/>
-              <a:t/>
-            </a:r>
             <a:br>
               <a:rPr lang="en-US" altLang="zh-CN" sz="3200" dirty="0"/>
             </a:br>
-            <a:r>
-              <a:rPr lang="en-US" altLang="zh-CN" sz="3200" b="1" cap="none" dirty="0">
-                <a:solidFill>
-                  <a:schemeClr val="accent2"/>
-                </a:solidFill>
-                <a:latin typeface="华文新魏" panose="02010800040101010101" pitchFamily="2" charset="-122"/>
-                <a:ea typeface="华文新魏" panose="02010800040101010101" pitchFamily="2" charset="-122"/>
-              </a:rPr>
-              <a:t/>
-            </a:r>
             <a:br>
               <a:rPr lang="en-US" altLang="zh-CN" sz="3200" b="1" cap="none" dirty="0">
                 <a:solidFill>
@@ -8345,16 +8281,6 @@
                 <a:ea typeface="华文新魏" panose="02010800040101010101" pitchFamily="2" charset="-122"/>
               </a:rPr>
             </a:br>
-            <a:r>
-              <a:rPr lang="en-US" altLang="zh-CN" sz="1400" b="1" cap="none" dirty="0">
-                <a:solidFill>
-                  <a:schemeClr val="accent2"/>
-                </a:solidFill>
-                <a:latin typeface="华文新魏" panose="02010800040101010101" pitchFamily="2" charset="-122"/>
-                <a:ea typeface="华文新魏" panose="02010800040101010101" pitchFamily="2" charset="-122"/>
-              </a:rPr>
-              <a:t/>
-            </a:r>
             <a:br>
               <a:rPr lang="en-US" altLang="zh-CN" sz="1400" b="1" cap="none" dirty="0">
                 <a:solidFill>
@@ -8512,13 +8438,6 @@
   <p:transition spd="slow" advTm="13351">
     <p:push dir="u"/>
   </p:transition>
-  <p:timing>
-    <p:tnLst>
-      <p:par>
-        <p:cTn id="1" dur="indefinite" restart="never" nodeType="tmRoot"/>
-      </p:par>
-    </p:tnLst>
-  </p:timing>
 </p:sld>
 </file>
 
@@ -8555,10 +8474,9 @@
           <a:lstStyle/>
           <a:p>
             <a:r>
-              <a:rPr lang="zh-CN" altLang="en-US" dirty="0" smtClean="0"/>
+              <a:rPr lang="zh-CN" altLang="en-US" dirty="0"/>
               <a:t>算法实现</a:t>
             </a:r>
-            <a:endParaRPr lang="zh-CN" altLang="en-US" dirty="0"/>
           </a:p>
         </p:txBody>
       </p:sp>
@@ -8580,7 +8498,7 @@
             <a:pPr eaLnBrk="1" latinLnBrk="0" hangingPunct="1"/>
             <a:fld id="{5B07C305-A121-4768-B6E8-C8CCF036FD24}" type="datetime1">
               <a:rPr lang="en-US" altLang="zh-CN" smtClean="0"/>
-              <a:t>5/29/2019</a:t>
+              <a:t>6/5/19</a:t>
             </a:fld>
             <a:endParaRPr lang="en-US" dirty="0"/>
           </a:p>
@@ -8641,14 +8559,14 @@
           <a:p>
             <a:pPr lvl="1"/>
             <a:r>
-              <a:rPr lang="zh-CN" altLang="en-US" dirty="0" smtClean="0"/>
+              <a:rPr lang="zh-CN" altLang="en-US" dirty="0"/>
               <a:t>将读操作所读的数据加入事务的读集合</a:t>
             </a:r>
             <a:r>
-              <a:rPr lang="en-US" altLang="zh-CN" dirty="0" err="1" smtClean="0"/>
+              <a:rPr lang="en-US" altLang="zh-CN" dirty="0" err="1"/>
               <a:t>rset</a:t>
             </a:r>
-            <a:endParaRPr lang="en-US" altLang="zh-CN" dirty="0" smtClean="0"/>
+            <a:endParaRPr lang="en-US" altLang="zh-CN" dirty="0"/>
           </a:p>
           <a:p>
             <a:pPr lvl="1"/>
@@ -8661,22 +8579,18 @@
           <a:p>
             <a:r>
               <a:rPr lang="zh-CN" altLang="en-US" dirty="0"/>
-              <a:t>写操作</a:t>
-            </a:r>
-            <a:r>
-              <a:rPr lang="zh-CN" altLang="en-US" dirty="0" smtClean="0"/>
-              <a:t>：</a:t>
-            </a:r>
-            <a:endParaRPr lang="en-US" altLang="zh-CN" dirty="0" smtClean="0"/>
+              <a:t>写操作：</a:t>
+            </a:r>
+            <a:endParaRPr lang="en-US" altLang="zh-CN" dirty="0"/>
           </a:p>
           <a:p>
             <a:pPr lvl="1"/>
             <a:r>
-              <a:rPr lang="zh-CN" altLang="en-US" dirty="0" smtClean="0"/>
+              <a:rPr lang="zh-CN" altLang="en-US" dirty="0"/>
               <a:t>将写操作所写的数据加入事务的写集合</a:t>
             </a:r>
             <a:r>
-              <a:rPr lang="en-US" altLang="zh-CN" dirty="0" err="1" smtClean="0"/>
+              <a:rPr lang="en-US" altLang="zh-CN" dirty="0" err="1"/>
               <a:t>wset</a:t>
             </a:r>
             <a:endParaRPr lang="en-US" altLang="zh-CN" dirty="0"/>
@@ -8693,13 +8607,6 @@
   <p:clrMapOvr>
     <a:masterClrMapping/>
   </p:clrMapOvr>
-  <p:timing>
-    <p:tnLst>
-      <p:par>
-        <p:cTn id="1" dur="indefinite" restart="never" nodeType="tmRoot"/>
-      </p:par>
-    </p:tnLst>
-  </p:timing>
 </p:sld>
 </file>
 
@@ -8736,10 +8643,9 @@
           <a:lstStyle/>
           <a:p>
             <a:r>
-              <a:rPr lang="zh-CN" altLang="en-US" dirty="0" smtClean="0"/>
+              <a:rPr lang="zh-CN" altLang="en-US" dirty="0"/>
               <a:t>算法实现</a:t>
             </a:r>
-            <a:endParaRPr lang="zh-CN" altLang="en-US" dirty="0"/>
           </a:p>
         </p:txBody>
       </p:sp>
@@ -8761,7 +8667,7 @@
             <a:pPr eaLnBrk="1" latinLnBrk="0" hangingPunct="1"/>
             <a:fld id="{5B07C305-A121-4768-B6E8-C8CCF036FD24}" type="datetime1">
               <a:rPr lang="en-US" altLang="zh-CN" smtClean="0"/>
-              <a:t>5/29/2019</a:t>
+              <a:t>6/5/19</a:t>
             </a:fld>
             <a:endParaRPr lang="en-US" dirty="0"/>
           </a:p>
@@ -8816,41 +8722,41 @@
           <a:lstStyle/>
           <a:p>
             <a:r>
-              <a:rPr lang="zh-CN" altLang="en-US" dirty="0" smtClean="0"/>
+              <a:rPr lang="zh-CN" altLang="en-US" dirty="0"/>
               <a:t>验证操作</a:t>
             </a:r>
             <a:r>
-              <a:rPr lang="zh-CN" altLang="en-US" dirty="0" smtClean="0">
+              <a:rPr lang="zh-CN" altLang="en-US" dirty="0">
                 <a:sym typeface="Wingdings" panose="05000000000000000000" pitchFamily="2" charset="2"/>
               </a:rPr>
               <a:t>：（</a:t>
             </a:r>
             <a:r>
-              <a:rPr lang="en-US" altLang="zh-CN" dirty="0" err="1" smtClean="0">
+              <a:rPr lang="en-US" altLang="zh-CN" dirty="0" err="1">
                 <a:sym typeface="Wingdings" panose="05000000000000000000" pitchFamily="2" charset="2"/>
               </a:rPr>
               <a:t>data_occ</a:t>
             </a:r>
             <a:r>
-              <a:rPr lang="en-US" altLang="zh-CN" dirty="0" smtClean="0">
+              <a:rPr lang="en-US" altLang="zh-CN" dirty="0">
                 <a:sym typeface="Wingdings" panose="05000000000000000000" pitchFamily="2" charset="2"/>
               </a:rPr>
               <a:t>::validate</a:t>
             </a:r>
             <a:r>
-              <a:rPr lang="zh-CN" altLang="en-US" dirty="0" smtClean="0">
+              <a:rPr lang="zh-CN" altLang="en-US" dirty="0">
                 <a:sym typeface="Wingdings" panose="05000000000000000000" pitchFamily="2" charset="2"/>
               </a:rPr>
               <a:t>）</a:t>
             </a:r>
-            <a:endParaRPr lang="en-US" altLang="zh-CN" dirty="0" smtClean="0">
+            <a:endParaRPr lang="en-US" altLang="zh-CN" dirty="0">
               <a:sym typeface="Wingdings" panose="05000000000000000000" pitchFamily="2" charset="2"/>
             </a:endParaRPr>
           </a:p>
           <a:p>
             <a:pPr lvl="1"/>
             <a:r>
-              <a:rPr lang="en-US" altLang="zh-CN" sz="2900" dirty="0" smtClean="0"/>
+              <a:rPr lang="en-US" altLang="zh-CN" sz="2900" dirty="0"/>
               <a:t>1.get </a:t>
             </a:r>
             <a:r>
@@ -8875,22 +8781,14 @@
             </a:r>
             <a:r>
               <a:rPr lang="en-US" altLang="zh-CN" sz="2900" dirty="0"/>
-              <a:t> list, and add itself to active </a:t>
-            </a:r>
-            <a:r>
-              <a:rPr lang="en-US" altLang="zh-CN" sz="2900" dirty="0" smtClean="0"/>
-              <a:t>list</a:t>
+              <a:t> list, and add itself to active list</a:t>
             </a:r>
           </a:p>
           <a:p>
             <a:pPr lvl="1"/>
             <a:r>
-              <a:rPr lang="en-US" altLang="zh-CN" sz="3200" dirty="0" smtClean="0"/>
-              <a:t>2.validate if </a:t>
-            </a:r>
-            <a:r>
               <a:rPr lang="en-US" altLang="zh-CN" sz="3200" dirty="0"/>
-              <a:t>the </a:t>
+              <a:t>2.validate if the </a:t>
             </a:r>
             <a:r>
               <a:rPr lang="en-US" altLang="zh-CN" sz="3200" dirty="0" err="1"/>
@@ -8914,22 +8812,14 @@
             </a:r>
             <a:r>
               <a:rPr lang="en-US" altLang="zh-CN" sz="3200" dirty="0"/>
-              <a:t> in history </a:t>
-            </a:r>
-            <a:r>
-              <a:rPr lang="en-US" altLang="zh-CN" sz="3200" dirty="0" smtClean="0"/>
-              <a:t>list</a:t>
+              <a:t> in history list</a:t>
             </a:r>
           </a:p>
           <a:p>
             <a:pPr lvl="1"/>
             <a:r>
-              <a:rPr lang="en-US" altLang="zh-CN" sz="3200" dirty="0" smtClean="0"/>
-              <a:t>3.validate if </a:t>
-            </a:r>
-            <a:r>
               <a:rPr lang="en-US" altLang="zh-CN" sz="3200" dirty="0"/>
-              <a:t>the </a:t>
+              <a:t>3.validate if the </a:t>
             </a:r>
             <a:r>
               <a:rPr lang="en-US" altLang="zh-CN" sz="3200" dirty="0" err="1"/>
@@ -8961,54 +8851,30 @@
             </a:r>
             <a:r>
               <a:rPr lang="en-US" altLang="zh-CN" sz="3200" dirty="0"/>
-              <a:t> in active </a:t>
-            </a:r>
-            <a:r>
-              <a:rPr lang="en-US" altLang="zh-CN" sz="3200" dirty="0" smtClean="0"/>
-              <a:t>list</a:t>
+              <a:t> in active list</a:t>
             </a:r>
           </a:p>
           <a:p>
             <a:pPr lvl="1"/>
             <a:r>
-              <a:rPr lang="en-US" altLang="zh-CN" sz="3200" dirty="0" smtClean="0"/>
-              <a:t>4.if </a:t>
-            </a:r>
-            <a:r>
               <a:rPr lang="en-US" altLang="zh-CN" sz="3200" dirty="0"/>
-              <a:t>have conflict, then abort and remove it from </a:t>
-            </a:r>
-            <a:r>
-              <a:rPr lang="en-US" altLang="zh-CN" sz="3200" dirty="0" smtClean="0"/>
-              <a:t>active</a:t>
+              <a:t>4.if have conflict, then abort and remove it from active</a:t>
             </a:r>
           </a:p>
           <a:p>
             <a:pPr lvl="1"/>
             <a:r>
-              <a:rPr lang="en-US" altLang="zh-CN" sz="3200" dirty="0" smtClean="0"/>
-              <a:t>5.if </a:t>
-            </a:r>
-            <a:r>
               <a:rPr lang="en-US" altLang="zh-CN" sz="3200" dirty="0"/>
-              <a:t>have no conflict, then apply write to the </a:t>
-            </a:r>
-            <a:r>
-              <a:rPr lang="en-US" altLang="zh-CN" sz="3200" dirty="0" smtClean="0"/>
-              <a:t>data</a:t>
+              <a:t>5.if have no conflict, then apply write to the data</a:t>
             </a:r>
           </a:p>
           <a:p>
             <a:pPr lvl="1"/>
             <a:r>
-              <a:rPr lang="en-US" altLang="zh-CN" sz="3200" dirty="0" smtClean="0"/>
-              <a:t>6.remove </a:t>
-            </a:r>
-            <a:r>
               <a:rPr lang="en-US" altLang="zh-CN" sz="3200" dirty="0"/>
-              <a:t>itself from active and add it to history</a:t>
-            </a:r>
-            <a:endParaRPr lang="en-US" altLang="zh-CN" sz="8800" dirty="0" smtClean="0"/>
+              <a:t>6.remove itself from active and add it to history</a:t>
+            </a:r>
+            <a:endParaRPr lang="en-US" altLang="zh-CN" sz="8800" dirty="0"/>
           </a:p>
         </p:txBody>
       </p:sp>
@@ -9022,13 +8888,6 @@
   <p:clrMapOvr>
     <a:masterClrMapping/>
   </p:clrMapOvr>
-  <p:timing>
-    <p:tnLst>
-      <p:par>
-        <p:cTn id="1" dur="indefinite" restart="never" nodeType="tmRoot"/>
-      </p:par>
-    </p:tnLst>
-  </p:timing>
 </p:sld>
 </file>
 
@@ -9089,7 +8948,7 @@
             <a:pPr eaLnBrk="1" latinLnBrk="0" hangingPunct="1"/>
             <a:fld id="{5B07C305-A121-4768-B6E8-C8CCF036FD24}" type="datetime1">
               <a:rPr lang="en-US" altLang="zh-CN" smtClean="0"/>
-              <a:t>5/29/2019</a:t>
+              <a:t>6/5/19</a:t>
             </a:fld>
             <a:endParaRPr lang="en-US" dirty="0"/>
           </a:p>
@@ -9144,41 +9003,41 @@
           <a:lstStyle/>
           <a:p>
             <a:r>
-              <a:rPr lang="en-US" altLang="zh-CN" dirty="0" smtClean="0"/>
+              <a:rPr lang="en-US" altLang="zh-CN" dirty="0"/>
               <a:t>1. </a:t>
             </a:r>
             <a:r>
-              <a:rPr lang="zh-CN" altLang="en-US" dirty="0" smtClean="0"/>
+              <a:rPr lang="zh-CN" altLang="en-US" dirty="0"/>
               <a:t>理解</a:t>
             </a:r>
             <a:r>
-              <a:rPr lang="en-US" altLang="zh-CN" dirty="0" err="1" smtClean="0"/>
+              <a:rPr lang="en-US" altLang="zh-CN" dirty="0" err="1"/>
               <a:t>occ</a:t>
             </a:r>
             <a:r>
-              <a:rPr lang="zh-CN" altLang="en-US" dirty="0" smtClean="0"/>
+              <a:rPr lang="zh-CN" altLang="en-US" dirty="0"/>
               <a:t>的算法流程，理清代码结构</a:t>
             </a:r>
-            <a:endParaRPr lang="en-US" altLang="zh-CN" dirty="0" smtClean="0"/>
-          </a:p>
-          <a:p>
-            <a:r>
-              <a:rPr lang="en-US" altLang="zh-CN" dirty="0" smtClean="0"/>
+            <a:endParaRPr lang="en-US" altLang="zh-CN" dirty="0"/>
+          </a:p>
+          <a:p>
+            <a:r>
+              <a:rPr lang="en-US" altLang="zh-CN" dirty="0"/>
               <a:t>2. </a:t>
             </a:r>
             <a:r>
-              <a:rPr lang="zh-CN" altLang="en-US" dirty="0" smtClean="0"/>
+              <a:rPr lang="zh-CN" altLang="en-US" dirty="0"/>
               <a:t>完成</a:t>
             </a:r>
             <a:r>
-              <a:rPr lang="en-US" altLang="zh-CN" dirty="0" err="1" smtClean="0"/>
+              <a:rPr lang="en-US" altLang="zh-CN" dirty="0" err="1"/>
               <a:t>data_occ.h</a:t>
             </a:r>
             <a:r>
-              <a:rPr lang="zh-CN" altLang="en-US" dirty="0" smtClean="0"/>
+              <a:rPr lang="zh-CN" altLang="en-US" dirty="0"/>
               <a:t>中算法的实现，主要是包括两个函数：</a:t>
             </a:r>
-            <a:endParaRPr lang="en-US" altLang="zh-CN" dirty="0" smtClean="0"/>
+            <a:endParaRPr lang="en-US" altLang="zh-CN" dirty="0"/>
           </a:p>
           <a:p>
             <a:pPr lvl="1"/>
@@ -9191,22 +9050,18 @@
               <a:t>::validate</a:t>
             </a:r>
             <a:r>
-              <a:rPr lang="zh-CN" altLang="en-US" dirty="0" smtClean="0"/>
+              <a:rPr lang="zh-CN" altLang="en-US" dirty="0"/>
               <a:t>：</a:t>
             </a:r>
-            <a:endParaRPr lang="en-US" altLang="zh-CN" dirty="0" smtClean="0"/>
+            <a:endParaRPr lang="en-US" altLang="zh-CN" dirty="0"/>
           </a:p>
           <a:p>
             <a:pPr lvl="2"/>
             <a:r>
               <a:rPr lang="zh-CN" altLang="en-US" dirty="0"/>
-              <a:t>判断事务能否</a:t>
-            </a:r>
-            <a:r>
-              <a:rPr lang="zh-CN" altLang="en-US" dirty="0" smtClean="0"/>
-              <a:t>提交</a:t>
-            </a:r>
-            <a:endParaRPr lang="en-US" altLang="zh-CN" dirty="0" smtClean="0"/>
+              <a:t>判断事务能否提交</a:t>
+            </a:r>
+            <a:endParaRPr lang="en-US" altLang="zh-CN" dirty="0"/>
           </a:p>
           <a:p>
             <a:pPr lvl="1"/>
@@ -9219,7 +9074,7 @@
               <a:t>::</a:t>
             </a:r>
             <a:r>
-              <a:rPr lang="en-US" altLang="zh-CN" dirty="0" err="1" smtClean="0"/>
+              <a:rPr lang="en-US" altLang="zh-CN" dirty="0" err="1"/>
               <a:t>is_overlap</a:t>
             </a:r>
             <a:endParaRPr lang="en-US" altLang="zh-CN" dirty="0"/>
@@ -9227,14 +9082,14 @@
           <a:p>
             <a:pPr lvl="2"/>
             <a:r>
-              <a:rPr lang="zh-CN" altLang="en-US" dirty="0" smtClean="0"/>
+              <a:rPr lang="zh-CN" altLang="en-US" dirty="0"/>
               <a:t>判断两个事务是否时间上有重叠</a:t>
             </a:r>
-            <a:endParaRPr lang="en-US" altLang="zh-CN" dirty="0" smtClean="0"/>
-          </a:p>
-          <a:p>
-            <a:r>
-              <a:rPr lang="en-US" altLang="zh-CN" dirty="0" smtClean="0"/>
+            <a:endParaRPr lang="en-US" altLang="zh-CN" dirty="0"/>
+          </a:p>
+          <a:p>
+            <a:r>
+              <a:rPr lang="en-US" altLang="zh-CN" dirty="0"/>
               <a:t>3. </a:t>
             </a:r>
             <a:r>
@@ -9271,13 +9126,6 @@
   <p:clrMapOvr>
     <a:masterClrMapping/>
   </p:clrMapOvr>
-  <p:timing>
-    <p:tnLst>
-      <p:par>
-        <p:cTn id="1" dur="indefinite" restart="never" nodeType="tmRoot"/>
-      </p:par>
-    </p:tnLst>
-  </p:timing>
 </p:sld>
 </file>
 
@@ -9333,7 +9181,7 @@
           <a:lstStyle/>
           <a:p>
             <a:r>
-              <a:rPr lang="en-US" altLang="zh-CN" dirty="0" smtClean="0"/>
+              <a:rPr lang="en-US" altLang="zh-CN" dirty="0"/>
               <a:t>Optimistic Concurrency Control</a:t>
             </a:r>
             <a:endParaRPr lang="zh-CN" altLang="en-US" dirty="0"/>
@@ -9358,7 +9206,7 @@
             <a:pPr eaLnBrk="1" latinLnBrk="0" hangingPunct="1"/>
             <a:fld id="{DC943EC1-10AF-4AAF-A58D-C916DCE522BF}" type="datetime1">
               <a:rPr lang="en-US" altLang="zh-CN" smtClean="0"/>
-              <a:t>5/29/2019</a:t>
+              <a:t>6/5/19</a:t>
             </a:fld>
             <a:endParaRPr lang="en-US"/>
           </a:p>
@@ -9398,13 +9246,6 @@
   <p:clrMapOvr>
     <a:masterClrMapping/>
   </p:clrMapOvr>
-  <p:timing>
-    <p:tnLst>
-      <p:par>
-        <p:cTn id="1" dur="indefinite" restart="never" nodeType="tmRoot"/>
-      </p:par>
-    </p:tnLst>
-  </p:timing>
 </p:sld>
 </file>
 
@@ -9441,14 +9282,13 @@
           <a:lstStyle/>
           <a:p>
             <a:r>
-              <a:rPr lang="en-US" altLang="zh-CN" dirty="0" smtClean="0"/>
+              <a:rPr lang="en-US" altLang="zh-CN" dirty="0"/>
               <a:t>OCC</a:t>
             </a:r>
             <a:r>
-              <a:rPr lang="zh-CN" altLang="en-US" dirty="0" smtClean="0"/>
+              <a:rPr lang="zh-CN" altLang="en-US" dirty="0"/>
               <a:t>三阶段</a:t>
             </a:r>
-            <a:endParaRPr lang="zh-CN" altLang="en-US" dirty="0"/>
           </a:p>
         </p:txBody>
       </p:sp>
@@ -9470,7 +9310,7 @@
             <a:pPr eaLnBrk="1" latinLnBrk="0" hangingPunct="1"/>
             <a:fld id="{5B07C305-A121-4768-B6E8-C8CCF036FD24}" type="datetime1">
               <a:rPr lang="en-US" altLang="zh-CN" smtClean="0"/>
-              <a:t>5/29/2019</a:t>
+              <a:t>6/5/19</a:t>
             </a:fld>
             <a:endParaRPr lang="en-US" dirty="0"/>
           </a:p>
@@ -9525,68 +9365,52 @@
           <a:lstStyle/>
           <a:p>
             <a:r>
-              <a:rPr lang="zh-CN" altLang="en-US" dirty="0" smtClean="0"/>
+              <a:rPr lang="zh-CN" altLang="en-US" dirty="0"/>
               <a:t>读阶段</a:t>
             </a:r>
-            <a:endParaRPr lang="en-US" altLang="zh-CN" dirty="0" smtClean="0"/>
+            <a:endParaRPr lang="en-US" altLang="zh-CN" dirty="0"/>
           </a:p>
           <a:p>
             <a:pPr lvl="1"/>
             <a:r>
               <a:rPr lang="zh-CN" altLang="en-US" dirty="0"/>
-              <a:t>所有更新操作缓冲在事务本地内存空间中，维护事务的写</a:t>
-            </a:r>
-            <a:r>
-              <a:rPr lang="zh-CN" altLang="en-US" dirty="0" smtClean="0"/>
-              <a:t>集</a:t>
-            </a:r>
-            <a:endParaRPr lang="en-US" altLang="zh-CN" dirty="0" smtClean="0"/>
+              <a:t>所有更新操作缓冲在事务本地内存空间中，维护事务的写集</a:t>
+            </a:r>
+            <a:endParaRPr lang="en-US" altLang="zh-CN" dirty="0"/>
           </a:p>
           <a:p>
             <a:pPr lvl="1"/>
             <a:r>
               <a:rPr lang="zh-CN" altLang="en-US" dirty="0"/>
-              <a:t>所有读取操作先访问事务本地内存空间，若不存在则从数据库中读取并可选地缓存在事务私有内存空间中，维护事务的读</a:t>
-            </a:r>
-            <a:r>
-              <a:rPr lang="zh-CN" altLang="en-US" dirty="0" smtClean="0"/>
-              <a:t>集</a:t>
+              <a:t>所有读取操作先访问事务本地内存空间，若不存在则从数据库中读取并可选地缓存在事务私有内存空间中，维护事务的读集</a:t>
             </a:r>
             <a:endParaRPr lang="en-US" altLang="zh-CN" sz="2900" dirty="0"/>
           </a:p>
           <a:p>
             <a:r>
-              <a:rPr lang="zh-CN" altLang="en-US" dirty="0" smtClean="0"/>
+              <a:rPr lang="zh-CN" altLang="en-US" dirty="0"/>
               <a:t>验证阶段</a:t>
             </a:r>
-            <a:endParaRPr lang="en-US" altLang="zh-CN" dirty="0" smtClean="0"/>
+            <a:endParaRPr lang="en-US" altLang="zh-CN" dirty="0"/>
           </a:p>
           <a:p>
             <a:pPr lvl="1"/>
             <a:r>
               <a:rPr lang="zh-CN" altLang="en-US" dirty="0"/>
-              <a:t>检查待提交事务是否满足可串行化</a:t>
-            </a:r>
-            <a:r>
-              <a:rPr lang="zh-CN" altLang="en-US" dirty="0" smtClean="0"/>
-              <a:t>调度</a:t>
-            </a:r>
-            <a:endParaRPr lang="en-US" altLang="zh-CN" dirty="0" smtClean="0"/>
+              <a:t>检查待提交事务是否满足可串行化调度</a:t>
+            </a:r>
+            <a:endParaRPr lang="en-US" altLang="zh-CN" dirty="0"/>
           </a:p>
           <a:p>
             <a:r>
               <a:rPr lang="zh-CN" altLang="en-US" dirty="0"/>
-              <a:t>写</a:t>
-            </a:r>
-            <a:r>
-              <a:rPr lang="zh-CN" altLang="en-US" dirty="0" smtClean="0"/>
-              <a:t>阶段</a:t>
+              <a:t>写阶段</a:t>
             </a:r>
             <a:r>
               <a:rPr lang="zh-CN" altLang="en-US" b="1" dirty="0"/>
               <a:t>（只读事务不需要）</a:t>
             </a:r>
-            <a:endParaRPr lang="en-US" altLang="zh-CN" dirty="0" smtClean="0"/>
+            <a:endParaRPr lang="en-US" altLang="zh-CN" dirty="0"/>
           </a:p>
           <a:p>
             <a:pPr lvl="1"/>
@@ -9594,7 +9418,7 @@
               <a:rPr lang="zh-CN" altLang="en-US" dirty="0"/>
               <a:t>事务私有内存中的更新数据写入数据库使其全局可见</a:t>
             </a:r>
-            <a:endParaRPr lang="en-US" altLang="zh-CN" dirty="0" smtClean="0"/>
+            <a:endParaRPr lang="en-US" altLang="zh-CN" dirty="0"/>
           </a:p>
           <a:p>
             <a:pPr lvl="1"/>
@@ -9618,13 +9442,6 @@
   <p:clrMapOvr>
     <a:masterClrMapping/>
   </p:clrMapOvr>
-  <p:timing>
-    <p:tnLst>
-      <p:par>
-        <p:cTn id="1" dur="indefinite" restart="never" nodeType="tmRoot"/>
-      </p:par>
-    </p:tnLst>
-  </p:timing>
 </p:sld>
 </file>
 
@@ -9661,10 +9478,9 @@
           <a:lstStyle/>
           <a:p>
             <a:r>
-              <a:rPr lang="zh-CN" altLang="en-US" dirty="0" smtClean="0"/>
+              <a:rPr lang="zh-CN" altLang="en-US" dirty="0"/>
               <a:t>验证规则</a:t>
             </a:r>
-            <a:endParaRPr lang="zh-CN" altLang="en-US" dirty="0"/>
           </a:p>
         </p:txBody>
       </p:sp>
@@ -9686,7 +9502,7 @@
             <a:pPr eaLnBrk="1" latinLnBrk="0" hangingPunct="1"/>
             <a:fld id="{5B07C305-A121-4768-B6E8-C8CCF036FD24}" type="datetime1">
               <a:rPr lang="en-US" altLang="zh-CN" smtClean="0"/>
-              <a:t>5/29/2019</a:t>
+              <a:t>6/5/19</a:t>
             </a:fld>
             <a:endParaRPr lang="en-US" dirty="0"/>
           </a:p>
@@ -9743,7 +9559,7 @@
               <a:lstStyle/>
               <a:p>
                 <a:r>
-                  <a:rPr lang="zh-CN" altLang="en-US" dirty="0" smtClean="0"/>
+                  <a:rPr lang="zh-CN" altLang="en-US" dirty="0"/>
                   <a:t>对事务</a:t>
                 </a:r>
                 <a14:m>
@@ -9776,11 +9592,11 @@
                   </m:oMath>
                 </a14:m>
                 <a:r>
-                  <a:rPr lang="zh-CN" altLang="en-US" sz="2900" dirty="0" smtClean="0"/>
+                  <a:rPr lang="zh-CN" altLang="en-US" sz="2900" dirty="0"/>
                   <a:t> </a:t>
                 </a:r>
                 <a:r>
-                  <a:rPr lang="en-US" altLang="zh-CN" sz="2900" dirty="0" smtClean="0"/>
+                  <a:rPr lang="en-US" altLang="zh-CN" sz="2900" dirty="0"/>
                   <a:t>, </a:t>
                 </a:r>
                 <a14:m>
@@ -9813,19 +9629,19 @@
                   </m:oMath>
                 </a14:m>
                 <a:r>
-                  <a:rPr lang="zh-CN" altLang="en-US" sz="2900" dirty="0" smtClean="0"/>
+                  <a:rPr lang="zh-CN" altLang="en-US" sz="2900" dirty="0"/>
                   <a:t> </a:t>
                 </a:r>
                 <a:r>
-                  <a:rPr lang="en-US" altLang="zh-CN" dirty="0" smtClean="0"/>
+                  <a:rPr lang="en-US" altLang="zh-CN" dirty="0"/>
                   <a:t>,</a:t>
                 </a:r>
                 <a:r>
-                  <a:rPr lang="zh-CN" altLang="en-US" dirty="0" smtClean="0"/>
+                  <a:rPr lang="zh-CN" altLang="en-US" dirty="0"/>
                   <a:t>且</a:t>
                 </a:r>
                 <a:r>
-                  <a:rPr lang="en-US" altLang="zh-CN" dirty="0" smtClean="0"/>
+                  <a:rPr lang="en-US" altLang="zh-CN" dirty="0"/>
                   <a:t> </a:t>
                 </a:r>
                 <a14:m>
@@ -9858,7 +9674,7 @@
                   </m:oMath>
                 </a14:m>
                 <a:r>
-                  <a:rPr lang="en-US" altLang="zh-CN" sz="2900" dirty="0" smtClean="0"/>
+                  <a:rPr lang="en-US" altLang="zh-CN" sz="2900" dirty="0"/>
                   <a:t>&lt;</a:t>
                 </a:r>
                 <a14:m>
@@ -9891,7 +9707,7 @@
                   </m:oMath>
                 </a14:m>
                 <a:r>
-                  <a:rPr lang="zh-CN" altLang="en-US" sz="2900" dirty="0" smtClean="0"/>
+                  <a:rPr lang="zh-CN" altLang="en-US" sz="2900" dirty="0"/>
                   <a:t>，</a:t>
                 </a:r>
                 <a:r>
@@ -9929,11 +9745,7 @@
                 </a14:m>
                 <a:r>
                   <a:rPr lang="zh-CN" altLang="en-US" dirty="0"/>
-                  <a:t>是否符合可串行化（</a:t>
-                </a:r>
-                <a:r>
-                  <a:rPr lang="zh-CN" altLang="en-US" dirty="0" smtClean="0"/>
-                  <a:t>即</a:t>
+                  <a:t>是否符合可串行化（即</a:t>
                 </a:r>
                 <a14:m>
                   <m:oMath xmlns:m="http://schemas.openxmlformats.org/officeDocument/2006/math">
@@ -9965,7 +9777,7 @@
                   </m:oMath>
                 </a14:m>
                 <a:r>
-                  <a:rPr lang="zh-CN" altLang="en-US" dirty="0" smtClean="0"/>
+                  <a:rPr lang="zh-CN" altLang="en-US" dirty="0"/>
                   <a:t>在</a:t>
                 </a:r>
                 <a14:m>
@@ -9999,13 +9811,9 @@
                 </a14:m>
                 <a:r>
                   <a:rPr lang="zh-CN" altLang="en-US" dirty="0"/>
-                  <a:t>之前完成），需满足如下三种条件之一</a:t>
+                  <a:t>之前完成），需满足如下三种条件之一：</a:t>
                 </a:r>
-                <a:r>
-                  <a:rPr lang="zh-CN" altLang="en-US" dirty="0" smtClean="0"/>
-                  <a:t>：</a:t>
-                </a:r>
-                <a:endParaRPr lang="en-US" altLang="zh-CN" dirty="0" smtClean="0"/>
+                <a:endParaRPr lang="en-US" altLang="zh-CN" dirty="0"/>
               </a:p>
               <a:p>
                 <a:pPr lvl="1"/>
@@ -10139,11 +9947,7 @@
                 </a14:m>
                 <a:r>
                   <a:rPr lang="zh-CN" altLang="en-US" dirty="0"/>
-                  <a:t>之</a:t>
-                </a:r>
-                <a:r>
-                  <a:rPr lang="zh-CN" altLang="en-US" dirty="0" smtClean="0"/>
-                  <a:t>前提交</a:t>
+                  <a:t>之前提交</a:t>
                 </a:r>
                 <a:endParaRPr lang="en-US" altLang="zh-CN" dirty="0"/>
               </a:p>
@@ -10279,13 +10083,9 @@
                 </a14:m>
                 <a:r>
                   <a:rPr lang="zh-CN" altLang="en-US" dirty="0"/>
-                  <a:t>开始写入阶段前完成写入</a:t>
+                  <a:t>开始写入阶段前完成写入阶段</a:t>
                 </a:r>
-                <a:r>
-                  <a:rPr lang="zh-CN" altLang="en-US" dirty="0" smtClean="0"/>
-                  <a:t>阶段</a:t>
-                </a:r>
-                <a:endParaRPr lang="en-US" altLang="zh-CN" dirty="0" smtClean="0"/>
+                <a:endParaRPr lang="en-US" altLang="zh-CN" dirty="0"/>
               </a:p>
               <a:p>
                 <a:pPr lvl="1"/>
@@ -10469,13 +10269,6 @@
   <p:clrMapOvr>
     <a:masterClrMapping/>
   </p:clrMapOvr>
-  <p:timing>
-    <p:tnLst>
-      <p:par>
-        <p:cTn id="1" dur="indefinite" restart="never" nodeType="tmRoot"/>
-      </p:par>
-    </p:tnLst>
-  </p:timing>
 </p:sld>
 </file>
 
@@ -10515,41 +10308,37 @@
           <a:p>
             <a:r>
               <a:rPr lang="zh-CN" altLang="en-US" dirty="0"/>
-              <a:t>源码地址</a:t>
-            </a:r>
-            <a:r>
-              <a:rPr lang="zh-CN" altLang="en-US" dirty="0" smtClean="0"/>
-              <a:t>：</a:t>
-            </a:r>
-            <a:endParaRPr lang="en-US" altLang="zh-CN" dirty="0" smtClean="0"/>
-          </a:p>
-          <a:p>
-            <a:r>
-              <a:rPr lang="en-US" altLang="zh-CN" dirty="0" smtClean="0">
+              <a:t>源码地址：</a:t>
+            </a:r>
+            <a:endParaRPr lang="en-US" altLang="zh-CN" dirty="0"/>
+          </a:p>
+          <a:p>
+            <a:r>
+              <a:rPr lang="en-US" altLang="zh-CN" dirty="0">
                 <a:hlinkClick r:id="rId2"/>
               </a:rPr>
               <a:t>git@github.com:ZhangZihao270/</a:t>
             </a:r>
             <a:r>
-              <a:rPr lang="en-US" altLang="zh-CN" dirty="0" err="1" smtClean="0">
+              <a:rPr lang="en-US" altLang="zh-CN" dirty="0" err="1">
                 <a:hlinkClick r:id="rId2"/>
               </a:rPr>
               <a:t>DaSE_DBMS_Implemention.git</a:t>
             </a:r>
-            <a:endParaRPr lang="en-US" altLang="zh-CN" dirty="0" smtClean="0"/>
-          </a:p>
-          <a:p>
-            <a:endParaRPr lang="en-US" altLang="zh-CN" dirty="0" smtClean="0"/>
-          </a:p>
-          <a:p>
-            <a:r>
-              <a:rPr lang="zh-CN" altLang="en-US" b="1" u="sng" dirty="0" smtClean="0">
+            <a:endParaRPr lang="en-US" altLang="zh-CN" dirty="0"/>
+          </a:p>
+          <a:p>
+            <a:endParaRPr lang="en-US" altLang="zh-CN" dirty="0"/>
+          </a:p>
+          <a:p>
+            <a:r>
+              <a:rPr lang="zh-CN" altLang="en-US" b="1" u="sng" dirty="0">
                 <a:hlinkClick r:id="rId3"/>
               </a:rPr>
               <a:t>目录：</a:t>
             </a:r>
             <a:r>
-              <a:rPr lang="en-US" altLang="zh-CN" b="1" u="sng" dirty="0" err="1" smtClean="0">
+              <a:rPr lang="en-US" altLang="zh-CN" b="1" u="sng" dirty="0" err="1">
                 <a:hlinkClick r:id="rId3"/>
               </a:rPr>
               <a:t>DaSE_DBMS_Implemention</a:t>
@@ -10569,12 +10358,8 @@
               <a:t>/</a:t>
             </a:r>
             <a:r>
-              <a:rPr lang="en-US" altLang="zh-CN" dirty="0" err="1" smtClean="0"/>
+              <a:rPr lang="en-US" altLang="zh-CN" dirty="0" err="1"/>
               <a:t>cc_occ</a:t>
-            </a:r>
-            <a:r>
-              <a:rPr lang="en-US" altLang="zh-CN" dirty="0"/>
-              <a:t/>
             </a:r>
             <a:br>
               <a:rPr lang="en-US" altLang="zh-CN" dirty="0"/>
@@ -10609,20 +10394,8 @@
               <a:t>-</a:t>
             </a:r>
             <a:r>
-              <a:rPr lang="zh-CN" altLang="en-US" sz="3200" dirty="0" smtClean="0"/>
-              <a:t>实现</a:t>
-            </a:r>
-            <a:r>
               <a:rPr lang="zh-CN" altLang="en-US" sz="3200" dirty="0"/>
-              <a:t>乐观</a:t>
-            </a:r>
-            <a:r>
-              <a:rPr lang="zh-CN" altLang="en-US" sz="3200" dirty="0" smtClean="0"/>
-              <a:t>并发</a:t>
-            </a:r>
-            <a:r>
-              <a:rPr lang="zh-CN" altLang="en-US" sz="3200" dirty="0"/>
-              <a:t>控制策略</a:t>
+              <a:t>实现乐观并发控制策略</a:t>
             </a:r>
           </a:p>
         </p:txBody>
@@ -10645,7 +10418,7 @@
             <a:pPr eaLnBrk="1" latinLnBrk="0" hangingPunct="1"/>
             <a:fld id="{DC943EC1-10AF-4AAF-A58D-C916DCE522BF}" type="datetime1">
               <a:rPr lang="en-US" altLang="zh-CN" smtClean="0"/>
-              <a:t>5/29/2019</a:t>
+              <a:t>6/5/19</a:t>
             </a:fld>
             <a:endParaRPr lang="en-US"/>
           </a:p>
@@ -10685,13 +10458,6 @@
   <p:clrMapOvr>
     <a:masterClrMapping/>
   </p:clrMapOvr>
-  <p:timing>
-    <p:tnLst>
-      <p:par>
-        <p:cTn id="1" dur="indefinite" restart="never" nodeType="tmRoot"/>
-      </p:par>
-    </p:tnLst>
-  </p:timing>
 </p:sld>
 </file>
 
@@ -10734,14 +10500,13 @@
           <a:lstStyle/>
           <a:p>
             <a:r>
-              <a:rPr lang="en-US" altLang="zh-CN" dirty="0" smtClean="0"/>
+              <a:rPr lang="en-US" altLang="zh-CN" dirty="0"/>
               <a:t>OCC</a:t>
             </a:r>
             <a:r>
-              <a:rPr lang="zh-CN" altLang="en-US" dirty="0" smtClean="0"/>
+              <a:rPr lang="zh-CN" altLang="en-US" dirty="0"/>
               <a:t>算法流程</a:t>
             </a:r>
-            <a:endParaRPr lang="zh-CN" altLang="en-US" dirty="0"/>
           </a:p>
         </p:txBody>
       </p:sp>
@@ -10769,7 +10534,7 @@
             <a:pPr eaLnBrk="1" latinLnBrk="0" hangingPunct="1"/>
             <a:fld id="{5B07C305-A121-4768-B6E8-C8CCF036FD24}" type="datetime1">
               <a:rPr lang="en-US" altLang="zh-CN" smtClean="0"/>
-              <a:t>5/29/2019</a:t>
+              <a:t>6/5/19</a:t>
             </a:fld>
             <a:endParaRPr lang="en-US" dirty="0"/>
           </a:p>
@@ -10836,58 +10601,57 @@
           <a:lstStyle/>
           <a:p>
             <a:r>
-              <a:rPr lang="zh-CN" altLang="en-US" dirty="0" smtClean="0"/>
+              <a:rPr lang="zh-CN" altLang="en-US" dirty="0"/>
               <a:t>维护数据结构</a:t>
             </a:r>
-            <a:endParaRPr lang="en-US" altLang="zh-CN" dirty="0" smtClean="0"/>
+            <a:endParaRPr lang="en-US" altLang="zh-CN" dirty="0"/>
           </a:p>
           <a:p>
             <a:pPr lvl="1"/>
             <a:r>
-              <a:rPr lang="zh-CN" altLang="en-US" dirty="0" smtClean="0"/>
+              <a:rPr lang="zh-CN" altLang="en-US" dirty="0"/>
               <a:t>每个事务的写集合</a:t>
             </a:r>
             <a:r>
-              <a:rPr lang="en-US" altLang="zh-CN" dirty="0" err="1" smtClean="0"/>
+              <a:rPr lang="en-US" altLang="zh-CN" dirty="0" err="1"/>
               <a:t>wset</a:t>
             </a:r>
             <a:r>
-              <a:rPr lang="zh-CN" altLang="en-US" dirty="0" smtClean="0"/>
+              <a:rPr lang="zh-CN" altLang="en-US" dirty="0"/>
               <a:t>，读集合</a:t>
             </a:r>
             <a:r>
-              <a:rPr lang="en-US" altLang="zh-CN" dirty="0" err="1" smtClean="0"/>
+              <a:rPr lang="en-US" altLang="zh-CN" dirty="0" err="1"/>
               <a:t>rset</a:t>
             </a:r>
-            <a:endParaRPr lang="en-US" altLang="zh-CN" dirty="0" smtClean="0"/>
+            <a:endParaRPr lang="en-US" altLang="zh-CN" dirty="0"/>
           </a:p>
           <a:p>
             <a:pPr lvl="1"/>
             <a:r>
-              <a:rPr lang="zh-CN" altLang="en-US" dirty="0" smtClean="0"/>
+              <a:rPr lang="zh-CN" altLang="en-US" dirty="0"/>
               <a:t>全局的活跃事务写集合列表</a:t>
             </a:r>
             <a:r>
-              <a:rPr lang="en-US" altLang="zh-CN" dirty="0" smtClean="0"/>
+              <a:rPr lang="en-US" altLang="zh-CN" dirty="0"/>
               <a:t>active</a:t>
             </a:r>
             <a:r>
-              <a:rPr lang="zh-CN" altLang="en-US" dirty="0" smtClean="0"/>
+              <a:rPr lang="zh-CN" altLang="en-US" dirty="0"/>
               <a:t>（活跃事务指已完成读阶段，正在进行验证阶段的事务）</a:t>
             </a:r>
-            <a:endParaRPr lang="en-US" altLang="zh-CN" dirty="0" smtClean="0"/>
+            <a:endParaRPr lang="en-US" altLang="zh-CN" dirty="0"/>
           </a:p>
           <a:p>
             <a:pPr lvl="1"/>
             <a:r>
-              <a:rPr lang="zh-CN" altLang="en-US" dirty="0" smtClean="0"/>
+              <a:rPr lang="zh-CN" altLang="en-US" dirty="0"/>
               <a:t>全局的已提交事务写集合列表</a:t>
             </a:r>
             <a:r>
-              <a:rPr lang="en-US" altLang="zh-CN" dirty="0" smtClean="0"/>
+              <a:rPr lang="en-US" altLang="zh-CN" dirty="0"/>
               <a:t>history</a:t>
             </a:r>
-            <a:endParaRPr lang="en-US" altLang="zh-CN" dirty="0"/>
           </a:p>
         </p:txBody>
       </p:sp>
@@ -10901,13 +10665,6 @@
   <p:clrMapOvr>
     <a:masterClrMapping/>
   </p:clrMapOvr>
-  <p:timing>
-    <p:tnLst>
-      <p:par>
-        <p:cTn id="1" dur="indefinite" restart="never" nodeType="tmRoot"/>
-      </p:par>
-    </p:tnLst>
-  </p:timing>
 </p:sld>
 </file>
 
@@ -10950,14 +10707,13 @@
           <a:lstStyle/>
           <a:p>
             <a:r>
-              <a:rPr lang="en-US" altLang="zh-CN" dirty="0" smtClean="0"/>
+              <a:rPr lang="en-US" altLang="zh-CN" dirty="0"/>
               <a:t>OCC</a:t>
             </a:r>
             <a:r>
-              <a:rPr lang="zh-CN" altLang="en-US" dirty="0" smtClean="0"/>
+              <a:rPr lang="zh-CN" altLang="en-US" dirty="0"/>
               <a:t>算法流程</a:t>
             </a:r>
-            <a:endParaRPr lang="zh-CN" altLang="en-US" dirty="0"/>
           </a:p>
         </p:txBody>
       </p:sp>
@@ -10985,7 +10741,7 @@
             <a:pPr eaLnBrk="1" latinLnBrk="0" hangingPunct="1"/>
             <a:fld id="{5B07C305-A121-4768-B6E8-C8CCF036FD24}" type="datetime1">
               <a:rPr lang="en-US" altLang="zh-CN" smtClean="0"/>
-              <a:t>5/29/2019</a:t>
+              <a:t>6/5/19</a:t>
             </a:fld>
             <a:endParaRPr lang="en-US" dirty="0"/>
           </a:p>
@@ -11052,56 +10808,80 @@
           <a:lstStyle/>
           <a:p>
             <a:r>
-              <a:rPr lang="zh-CN" altLang="en-US" dirty="0" smtClean="0"/>
+              <a:rPr lang="zh-CN" altLang="en-US" dirty="0"/>
               <a:t>事务开始，读阶段</a:t>
             </a:r>
-            <a:endParaRPr lang="en-US" altLang="zh-CN" dirty="0" smtClean="0"/>
+            <a:endParaRPr lang="en-US" altLang="zh-CN" dirty="0"/>
           </a:p>
           <a:p>
             <a:pPr lvl="1"/>
             <a:r>
-              <a:rPr lang="zh-CN" altLang="en-US" dirty="0" smtClean="0"/>
+              <a:rPr lang="zh-CN" altLang="en-US" dirty="0"/>
               <a:t>获取开始时间戳</a:t>
             </a:r>
             <a:r>
-              <a:rPr lang="en-US" altLang="zh-CN" dirty="0" err="1" smtClean="0"/>
+              <a:rPr lang="en-US" altLang="zh-CN" dirty="0" err="1"/>
               <a:t>start_ts</a:t>
             </a:r>
-            <a:endParaRPr lang="zh-CN" altLang="en-US" dirty="0" smtClean="0"/>
-          </a:p>
-          <a:p>
-            <a:r>
-              <a:rPr lang="zh-CN" altLang="en-US" dirty="0" smtClean="0"/>
+            <a:endParaRPr lang="zh-CN" altLang="en-US" dirty="0"/>
+          </a:p>
+          <a:p>
+            <a:r>
+              <a:rPr lang="zh-CN" altLang="en-US" dirty="0"/>
               <a:t>事务结束，进入验证阶段</a:t>
             </a:r>
-            <a:endParaRPr lang="en-US" altLang="zh-CN" dirty="0" smtClean="0"/>
+            <a:endParaRPr lang="en-US" altLang="zh-CN" dirty="0"/>
           </a:p>
           <a:p>
             <a:pPr lvl="1"/>
             <a:r>
-              <a:rPr lang="zh-CN" altLang="en-US" dirty="0" smtClean="0"/>
+              <a:rPr lang="zh-CN" altLang="en-US" dirty="0"/>
               <a:t>获取结束时间戳</a:t>
             </a:r>
             <a:r>
-              <a:rPr lang="en-US" altLang="zh-CN" dirty="0" err="1" smtClean="0"/>
+              <a:rPr lang="en-US" altLang="zh-CN" dirty="0" err="1"/>
               <a:t>end_ts</a:t>
             </a:r>
             <a:r>
-              <a:rPr lang="zh-CN" altLang="en-US" dirty="0" smtClean="0"/>
+              <a:rPr lang="zh-CN" altLang="en-US" dirty="0"/>
               <a:t>，活跃事务列表</a:t>
             </a:r>
             <a:r>
-              <a:rPr lang="en-US" altLang="zh-CN" dirty="0" smtClean="0"/>
+              <a:rPr lang="en-US" altLang="zh-CN" dirty="0"/>
               <a:t>active</a:t>
             </a:r>
             <a:r>
-              <a:rPr lang="zh-CN" altLang="en-US" dirty="0" smtClean="0"/>
+              <a:rPr lang="zh-CN" altLang="en-US" dirty="0"/>
               <a:t>，将自身加入</a:t>
             </a:r>
             <a:r>
-              <a:rPr lang="en-US" altLang="zh-CN" dirty="0" smtClean="0"/>
+              <a:rPr lang="en-US" altLang="zh-CN" dirty="0"/>
               <a:t>active</a:t>
             </a:r>
+          </a:p>
+          <a:p>
+            <a:pPr lvl="1"/>
+            <a:r>
+              <a:rPr lang="zh-CN" altLang="en-US" dirty="0"/>
+              <a:t>验证事务</a:t>
+            </a:r>
+            <a:r>
+              <a:rPr lang="en-US" altLang="zh-CN" dirty="0" err="1"/>
+              <a:t>start_ts</a:t>
+            </a:r>
+            <a:r>
+              <a:rPr lang="zh-CN" altLang="en-US" dirty="0"/>
+              <a:t>和</a:t>
+            </a:r>
+            <a:r>
+              <a:rPr lang="en-US" altLang="zh-CN" dirty="0" err="1"/>
+              <a:t>end_ts</a:t>
+            </a:r>
+            <a:r>
+              <a:rPr lang="zh-CN" altLang="en-US" dirty="0"/>
+              <a:t>之间提交的事务的写集与该事务的读集是否相交</a:t>
+            </a:r>
+            <a:endParaRPr lang="en-US" altLang="zh-CN" dirty="0"/>
           </a:p>
           <a:p>
             <a:pPr lvl="1"/>
@@ -11110,144 +10890,52 @@
               <a:t>验证</a:t>
             </a:r>
             <a:r>
-              <a:rPr lang="zh-CN" altLang="en-US" dirty="0" smtClean="0"/>
-              <a:t>事务</a:t>
-            </a:r>
-            <a:r>
-              <a:rPr lang="en-US" altLang="zh-CN" dirty="0" err="1" smtClean="0"/>
-              <a:t>start_ts</a:t>
-            </a:r>
-            <a:r>
-              <a:rPr lang="zh-CN" altLang="en-US" dirty="0" smtClean="0"/>
-              <a:t>和</a:t>
-            </a:r>
-            <a:r>
-              <a:rPr lang="en-US" altLang="zh-CN" dirty="0" err="1" smtClean="0"/>
-              <a:t>end_ts</a:t>
-            </a:r>
-            <a:r>
-              <a:rPr lang="zh-CN" altLang="en-US" dirty="0" smtClean="0"/>
-              <a:t>之间提交</a:t>
+              <a:rPr lang="en-US" altLang="zh-CN" dirty="0"/>
+              <a:t>active</a:t>
             </a:r>
             <a:r>
               <a:rPr lang="zh-CN" altLang="en-US" dirty="0"/>
-              <a:t>的事务的写集</a:t>
-            </a:r>
-            <a:r>
-              <a:rPr lang="zh-CN" altLang="en-US" dirty="0" smtClean="0"/>
-              <a:t>与该事务</a:t>
-            </a:r>
+              <a:t>中的写集与该事务的读集和写集是否相交</a:t>
+            </a:r>
+            <a:endParaRPr lang="en-US" altLang="zh-CN" dirty="0"/>
+          </a:p>
+          <a:p>
+            <a:pPr lvl="1"/>
             <a:r>
               <a:rPr lang="zh-CN" altLang="en-US" dirty="0"/>
-              <a:t>的读集是否</a:t>
-            </a:r>
-            <a:r>
-              <a:rPr lang="zh-CN" altLang="en-US" dirty="0" smtClean="0"/>
-              <a:t>相交</a:t>
-            </a:r>
-            <a:endParaRPr lang="en-US" altLang="zh-CN" dirty="0" smtClean="0"/>
+              <a:t>相交，则发现冲突，在临界区内将本事务从</a:t>
+            </a:r>
+            <a:r>
+              <a:rPr lang="en-US" altLang="zh-CN" dirty="0"/>
+              <a:t>active</a:t>
+            </a:r>
+            <a:r>
+              <a:rPr lang="zh-CN" altLang="en-US" dirty="0"/>
+              <a:t>中去除并中止待验证事务</a:t>
+            </a:r>
+            <a:endParaRPr lang="en-US" altLang="zh-CN" dirty="0"/>
           </a:p>
           <a:p>
             <a:pPr lvl="1"/>
             <a:r>
-              <a:rPr lang="zh-CN" altLang="en-US" dirty="0" smtClean="0"/>
-              <a:t>验证</a:t>
-            </a:r>
-            <a:r>
-              <a:rPr lang="en-US" altLang="zh-CN" dirty="0" smtClean="0"/>
+              <a:rPr lang="zh-CN" altLang="en-US" dirty="0"/>
+              <a:t>不相交，则验证成功，执行写入阶段</a:t>
+            </a:r>
+            <a:endParaRPr lang="en-US" altLang="zh-CN" dirty="0"/>
+          </a:p>
+          <a:p>
+            <a:pPr lvl="1"/>
+            <a:r>
+              <a:rPr lang="zh-CN" altLang="en-US" dirty="0"/>
+              <a:t>在临界区内将本事务从</a:t>
+            </a:r>
+            <a:r>
+              <a:rPr lang="en-US" altLang="zh-CN" dirty="0"/>
               <a:t>active</a:t>
             </a:r>
             <a:r>
-              <a:rPr lang="zh-CN" altLang="en-US" dirty="0" smtClean="0"/>
-              <a:t>中的</a:t>
-            </a:r>
-            <a:r>
               <a:rPr lang="zh-CN" altLang="en-US" dirty="0"/>
-              <a:t>写集</a:t>
-            </a:r>
-            <a:r>
-              <a:rPr lang="zh-CN" altLang="en-US" dirty="0" smtClean="0"/>
-              <a:t>与该事务</a:t>
-            </a:r>
-            <a:r>
-              <a:rPr lang="zh-CN" altLang="en-US" dirty="0"/>
-              <a:t>的读集和写集是否</a:t>
-            </a:r>
-            <a:r>
-              <a:rPr lang="zh-CN" altLang="en-US" dirty="0" smtClean="0"/>
-              <a:t>相交</a:t>
-            </a:r>
-            <a:endParaRPr lang="en-US" altLang="zh-CN" dirty="0" smtClean="0"/>
-          </a:p>
-          <a:p>
-            <a:pPr lvl="1"/>
-            <a:r>
-              <a:rPr lang="zh-CN" altLang="en-US" dirty="0"/>
-              <a:t>相交，则发现冲突，在临界区内将本事务</a:t>
-            </a:r>
-            <a:r>
-              <a:rPr lang="zh-CN" altLang="en-US" dirty="0" smtClean="0"/>
-              <a:t>从</a:t>
-            </a:r>
-            <a:r>
-              <a:rPr lang="en-US" altLang="zh-CN" dirty="0" smtClean="0"/>
-              <a:t>active</a:t>
-            </a:r>
-            <a:r>
-              <a:rPr lang="zh-CN" altLang="en-US" dirty="0" smtClean="0"/>
-              <a:t>中</a:t>
-            </a:r>
-            <a:r>
-              <a:rPr lang="zh-CN" altLang="en-US" dirty="0"/>
-              <a:t>去除并中止待验证</a:t>
-            </a:r>
-            <a:r>
-              <a:rPr lang="zh-CN" altLang="en-US" dirty="0" smtClean="0"/>
-              <a:t>事务</a:t>
-            </a:r>
-            <a:endParaRPr lang="en-US" altLang="zh-CN" dirty="0" smtClean="0"/>
-          </a:p>
-          <a:p>
-            <a:pPr lvl="1"/>
-            <a:r>
-              <a:rPr lang="zh-CN" altLang="en-US" dirty="0"/>
-              <a:t>不相交，则验证成功，执行写入</a:t>
-            </a:r>
-            <a:r>
-              <a:rPr lang="zh-CN" altLang="en-US" dirty="0" smtClean="0"/>
-              <a:t>阶段</a:t>
-            </a:r>
-            <a:endParaRPr lang="en-US" altLang="zh-CN" dirty="0" smtClean="0"/>
-          </a:p>
-          <a:p>
-            <a:pPr lvl="1"/>
-            <a:r>
-              <a:rPr lang="zh-CN" altLang="en-US" dirty="0"/>
-              <a:t>在临界区</a:t>
-            </a:r>
-            <a:r>
-              <a:rPr lang="zh-CN" altLang="en-US" dirty="0" smtClean="0"/>
-              <a:t>内将</a:t>
-            </a:r>
-            <a:r>
-              <a:rPr lang="zh-CN" altLang="en-US" dirty="0"/>
-              <a:t>本事务</a:t>
-            </a:r>
-            <a:r>
-              <a:rPr lang="zh-CN" altLang="en-US" dirty="0" smtClean="0"/>
-              <a:t>从</a:t>
-            </a:r>
-            <a:r>
-              <a:rPr lang="en-US" altLang="zh-CN" dirty="0" smtClean="0"/>
-              <a:t>active</a:t>
-            </a:r>
-            <a:r>
-              <a:rPr lang="zh-CN" altLang="en-US" dirty="0" smtClean="0"/>
-              <a:t>列表中</a:t>
-            </a:r>
-            <a:r>
-              <a:rPr lang="zh-CN" altLang="en-US" dirty="0"/>
-              <a:t>去除</a:t>
+              <a:t>列表中去除</a:t>
             </a:r>
             <a:endParaRPr lang="zh-CN" altLang="zh-CN" dirty="0"/>
           </a:p>
@@ -11263,13 +10951,6 @@
   <p:clrMapOvr>
     <a:masterClrMapping/>
   </p:clrMapOvr>
-  <p:timing>
-    <p:tnLst>
-      <p:par>
-        <p:cTn id="1" dur="indefinite" restart="never" nodeType="tmRoot"/>
-      </p:par>
-    </p:tnLst>
-  </p:timing>
 </p:sld>
 </file>
 
@@ -11330,7 +11011,7 @@
             <a:pPr eaLnBrk="1" latinLnBrk="0" hangingPunct="1"/>
             <a:fld id="{5B07C305-A121-4768-B6E8-C8CCF036FD24}" type="datetime1">
               <a:rPr lang="en-US" altLang="zh-CN" smtClean="0"/>
-              <a:t>5/29/2019</a:t>
+              <a:t>6/5/19</a:t>
             </a:fld>
             <a:endParaRPr lang="en-US" dirty="0"/>
           </a:p>
@@ -11391,7 +11072,7 @@
           </a:p>
           <a:p>
             <a:r>
-              <a:rPr lang="en-US" altLang="zh-CN" dirty="0" err="1" smtClean="0"/>
+              <a:rPr lang="en-US" altLang="zh-CN" dirty="0" err="1"/>
               <a:t>cc_occ.h</a:t>
             </a:r>
             <a:r>
@@ -11404,29 +11085,21 @@
             </a:r>
             <a:r>
               <a:rPr lang="zh-CN" altLang="en-US" dirty="0"/>
-              <a:t>：</a:t>
-            </a:r>
-            <a:r>
-              <a:rPr lang="zh-CN" altLang="en-US" dirty="0" smtClean="0"/>
-              <a:t>基于</a:t>
-            </a:r>
-            <a:r>
-              <a:rPr lang="en-US" altLang="zh-CN" dirty="0" err="1" smtClean="0"/>
+              <a:t>：基于</a:t>
+            </a:r>
+            <a:r>
+              <a:rPr lang="en-US" altLang="zh-CN" dirty="0" err="1"/>
               <a:t>occ</a:t>
             </a:r>
             <a:r>
-              <a:rPr lang="zh-CN" altLang="en-US" dirty="0" smtClean="0"/>
-              <a:t>的读写及验证操作</a:t>
-            </a:r>
-            <a:r>
               <a:rPr lang="zh-CN" altLang="en-US" dirty="0"/>
-              <a:t>的实现</a:t>
+              <a:t>的读写及验证操作的实现</a:t>
             </a:r>
             <a:endParaRPr lang="en-US" altLang="zh-CN" dirty="0"/>
           </a:p>
           <a:p>
             <a:r>
-              <a:rPr lang="en-US" altLang="zh-CN" dirty="0" err="1" smtClean="0"/>
+              <a:rPr lang="en-US" altLang="zh-CN" dirty="0" err="1"/>
               <a:t>data_occ.h</a:t>
             </a:r>
             <a:r>
@@ -11438,20 +11111,16 @@
               <a:t>cpp</a:t>
             </a:r>
             <a:r>
-              <a:rPr lang="zh-CN" altLang="en-US" dirty="0" smtClean="0"/>
+              <a:rPr lang="zh-CN" altLang="en-US" dirty="0"/>
               <a:t>：</a:t>
             </a:r>
             <a:r>
-              <a:rPr lang="en-US" altLang="zh-CN" dirty="0" err="1" smtClean="0"/>
+              <a:rPr lang="en-US" altLang="zh-CN" dirty="0" err="1"/>
               <a:t>occ</a:t>
             </a:r>
             <a:r>
-              <a:rPr lang="zh-CN" altLang="en-US" dirty="0" smtClean="0"/>
-              <a:t>的</a:t>
-            </a:r>
-            <a:r>
               <a:rPr lang="zh-CN" altLang="en-US" dirty="0"/>
-              <a:t>算法实现</a:t>
+              <a:t>的算法实现</a:t>
             </a:r>
             <a:endParaRPr lang="en-US" altLang="zh-CN" dirty="0"/>
           </a:p>
@@ -11507,13 +11176,6 @@
   <p:clrMapOvr>
     <a:masterClrMapping/>
   </p:clrMapOvr>
-  <p:timing>
-    <p:tnLst>
-      <p:par>
-        <p:cTn id="1" dur="indefinite" restart="never" nodeType="tmRoot"/>
-      </p:par>
-    </p:tnLst>
-  </p:timing>
 </p:sld>
 </file>
 
@@ -11574,7 +11236,7 @@
             <a:pPr eaLnBrk="1" latinLnBrk="0" hangingPunct="1"/>
             <a:fld id="{5B07C305-A121-4768-B6E8-C8CCF036FD24}" type="datetime1">
               <a:rPr lang="en-US" altLang="zh-CN" smtClean="0"/>
-              <a:t>5/29/2019</a:t>
+              <a:t>6/5/19</a:t>
             </a:fld>
             <a:endParaRPr lang="en-US" dirty="0"/>
           </a:p>
@@ -11627,19 +11289,19 @@
           <a:lstStyle/>
           <a:p>
             <a:r>
-              <a:rPr lang="en-US" altLang="zh-CN" dirty="0" err="1" smtClean="0"/>
+              <a:rPr lang="en-US" altLang="zh-CN" dirty="0" err="1"/>
               <a:t>data_occ</a:t>
             </a:r>
             <a:r>
-              <a:rPr lang="en-US" altLang="zh-CN" dirty="0" smtClean="0"/>
+              <a:rPr lang="en-US" altLang="zh-CN" dirty="0"/>
               <a:t> (</a:t>
             </a:r>
             <a:r>
-              <a:rPr lang="en-US" altLang="zh-CN" dirty="0" err="1" smtClean="0"/>
+              <a:rPr lang="en-US" altLang="zh-CN" dirty="0" err="1"/>
               <a:t>data_occ.h</a:t>
             </a:r>
             <a:r>
-              <a:rPr lang="en-US" altLang="zh-CN" dirty="0" smtClean="0"/>
+              <a:rPr lang="en-US" altLang="zh-CN" dirty="0"/>
               <a:t>)</a:t>
             </a:r>
           </a:p>
@@ -11668,82 +11330,78 @@
             <a:endParaRPr lang="en-US" altLang="zh-CN" dirty="0"/>
           </a:p>
           <a:p>
-            <a:endParaRPr lang="en-US" altLang="zh-CN" dirty="0" smtClean="0"/>
+            <a:endParaRPr lang="en-US" altLang="zh-CN" dirty="0"/>
           </a:p>
           <a:p>
             <a:r>
               <a:rPr lang="en-US" altLang="zh-CN" dirty="0" err="1"/>
-              <a:t>t</a:t>
-            </a:r>
-            <a:r>
-              <a:rPr lang="en-US" altLang="zh-CN" dirty="0" err="1" smtClean="0"/>
-              <a:t>xn</a:t>
-            </a:r>
-            <a:r>
-              <a:rPr lang="en-US" altLang="zh-CN" dirty="0" smtClean="0"/>
+              <a:t>txn</a:t>
+            </a:r>
+            <a:r>
+              <a:rPr lang="en-US" altLang="zh-CN" dirty="0"/>
               <a:t>(</a:t>
             </a:r>
             <a:r>
-              <a:rPr lang="en-US" altLang="zh-CN" dirty="0" err="1" smtClean="0"/>
+              <a:rPr lang="en-US" altLang="zh-CN" dirty="0" err="1"/>
               <a:t>txn.h</a:t>
             </a:r>
             <a:r>
-              <a:rPr lang="en-US" altLang="zh-CN" dirty="0" smtClean="0"/>
+              <a:rPr lang="en-US" altLang="zh-CN" dirty="0"/>
               <a:t>) //</a:t>
             </a:r>
             <a:r>
-              <a:rPr lang="zh-CN" altLang="en-US" dirty="0" smtClean="0"/>
+              <a:rPr lang="zh-CN" altLang="en-US" dirty="0"/>
               <a:t>记录事务的读写集</a:t>
             </a:r>
-            <a:endParaRPr lang="en-US" altLang="zh-CN" dirty="0" smtClean="0"/>
+            <a:endParaRPr lang="en-US" altLang="zh-CN" dirty="0"/>
           </a:p>
           <a:p>
             <a:pPr lvl="1"/>
             <a:r>
-              <a:rPr lang="en-US" altLang="zh-CN" dirty="0" err="1" smtClean="0"/>
+              <a:rPr lang="en-US" altLang="zh-CN" dirty="0" err="1"/>
               <a:t>start_ts</a:t>
             </a:r>
             <a:r>
-              <a:rPr lang="zh-CN" altLang="en-US" dirty="0" smtClean="0"/>
+              <a:rPr lang="zh-CN" altLang="en-US" dirty="0"/>
               <a:t>：读阶段的开始时间</a:t>
             </a:r>
-            <a:endParaRPr lang="en-US" altLang="zh-CN" dirty="0" smtClean="0"/>
+            <a:endParaRPr lang="en-US" altLang="zh-CN" dirty="0"/>
           </a:p>
           <a:p>
             <a:pPr lvl="1"/>
             <a:r>
-              <a:rPr lang="en-US" altLang="zh-CN" dirty="0" err="1" smtClean="0"/>
+              <a:rPr lang="en-US" altLang="zh-CN" dirty="0" err="1"/>
               <a:t>end_ts</a:t>
             </a:r>
             <a:r>
-              <a:rPr lang="zh-CN" altLang="en-US" dirty="0" smtClean="0"/>
+              <a:rPr lang="zh-CN" altLang="en-US" dirty="0"/>
               <a:t>：读阶段的结束时间</a:t>
             </a:r>
-            <a:endParaRPr lang="en-US" altLang="zh-CN" dirty="0" smtClean="0"/>
+            <a:endParaRPr lang="en-US" altLang="zh-CN" dirty="0"/>
           </a:p>
           <a:p>
             <a:pPr lvl="1"/>
             <a:r>
-              <a:rPr lang="en-US" altLang="zh-CN" dirty="0" err="1" smtClean="0"/>
+              <a:rPr lang="en-US" altLang="zh-CN" dirty="0" err="1"/>
               <a:t>wr_list</a:t>
             </a:r>
             <a:r>
-              <a:rPr lang="zh-CN" altLang="en-US" dirty="0" smtClean="0"/>
+              <a:rPr lang="zh-CN" altLang="en-US" dirty="0"/>
               <a:t>：事务的写集合</a:t>
             </a:r>
-            <a:endParaRPr lang="en-US" altLang="zh-CN" dirty="0" smtClean="0"/>
+            <a:endParaRPr lang="en-US" altLang="zh-CN" dirty="0"/>
           </a:p>
           <a:p>
             <a:pPr lvl="1"/>
             <a:r>
-              <a:rPr lang="en-US" altLang="zh-CN" dirty="0" err="1" smtClean="0"/>
+              <a:rPr lang="en-US" altLang="zh-CN" dirty="0" err="1"/>
               <a:t>rd_list</a:t>
             </a:r>
             <a:r>
-              <a:rPr lang="zh-CN" altLang="en-US" dirty="0" smtClean="0"/>
+              <a:rPr lang="zh-CN" altLang="en-US" dirty="0"/>
               <a:t>：事务的读集合</a:t>
             </a:r>
-            <a:endParaRPr lang="en-US" altLang="zh-CN" dirty="0" smtClean="0"/>
+            <a:endParaRPr lang="en-US" altLang="zh-CN" dirty="0"/>
           </a:p>
           <a:p>
             <a:pPr lvl="1"/>
@@ -11821,13 +11479,6 @@
   <p:clrMapOvr>
     <a:masterClrMapping/>
   </p:clrMapOvr>
-  <p:timing>
-    <p:tnLst>
-      <p:par>
-        <p:cTn id="1" dur="indefinite" restart="never" nodeType="tmRoot"/>
-      </p:par>
-    </p:tnLst>
-  </p:timing>
 </p:sld>
 </file>
 
